--- a/ПП.02.02/Презентация ПП.02.02.pptx
+++ b/ПП.02.02/Презентация ПП.02.02.pptx
@@ -277,7 +277,7 @@
           <a:p>
             <a:fld id="{CA430C0A-5464-4FE4-84EB-FF9C94016DF4}" type="datetimeFigureOut">
               <a:rPr lang="en-US" dirty="0"/>
-              <a:t>12/26/2021</a:t>
+              <a:t>12/28/2021</a:t>
             </a:fld>
             <a:endParaRPr lang="en-US" dirty="0"/>
           </a:p>
@@ -443,7 +443,7 @@
           <a:p>
             <a:fld id="{E9F9C37B-1D36-470B-8223-D6C91242EC14}" type="datetimeFigureOut">
               <a:rPr lang="en-US" dirty="0"/>
-              <a:t>12/26/2021</a:t>
+              <a:t>12/28/2021</a:t>
             </a:fld>
             <a:endParaRPr lang="en-US" dirty="0"/>
           </a:p>
@@ -618,7 +618,7 @@
           <a:p>
             <a:fld id="{67C6F52A-A82B-47A2-A83A-8C4C91F2D59F}" type="datetimeFigureOut">
               <a:rPr lang="en-US" dirty="0"/>
-              <a:t>12/26/2021</a:t>
+              <a:t>12/28/2021</a:t>
             </a:fld>
             <a:endParaRPr lang="en-US" dirty="0"/>
           </a:p>
@@ -783,7 +783,7 @@
           <a:p>
             <a:fld id="{F070A7B3-6521-4DCA-87E5-044747A908C1}" type="datetimeFigureOut">
               <a:rPr lang="en-US" dirty="0"/>
-              <a:t>12/26/2021</a:t>
+              <a:t>12/28/2021</a:t>
             </a:fld>
             <a:endParaRPr lang="en-US" dirty="0"/>
           </a:p>
@@ -1039,7 +1039,7 @@
           <a:p>
             <a:fld id="{360C6404-AD6E-4860-8E75-697CA40B95DA}" type="datetimeFigureOut">
               <a:rPr lang="en-US" dirty="0"/>
-              <a:t>12/26/2021</a:t>
+              <a:t>12/28/2021</a:t>
             </a:fld>
             <a:endParaRPr lang="en-US" dirty="0"/>
           </a:p>
@@ -1267,7 +1267,7 @@
           <a:p>
             <a:fld id="{AB134690-1557-4C89-A502-4959FE7FAD70}" type="datetimeFigureOut">
               <a:rPr lang="en-US" dirty="0"/>
-              <a:t>12/26/2021</a:t>
+              <a:t>12/28/2021</a:t>
             </a:fld>
             <a:endParaRPr lang="en-US" dirty="0"/>
           </a:p>
@@ -1617,7 +1617,7 @@
           <a:p>
             <a:fld id="{4F7D4976-E339-4826-83B7-FBD03F55ECF8}" type="datetimeFigureOut">
               <a:rPr lang="en-US" dirty="0"/>
-              <a:t>12/26/2021</a:t>
+              <a:t>12/28/2021</a:t>
             </a:fld>
             <a:endParaRPr lang="en-US" dirty="0"/>
           </a:p>
@@ -1753,7 +1753,7 @@
           <a:p>
             <a:fld id="{E1037C31-9E7A-4F99-8774-A0E530DE1A42}" type="datetimeFigureOut">
               <a:rPr lang="en-US" dirty="0"/>
-              <a:t>12/26/2021</a:t>
+              <a:t>12/28/2021</a:t>
             </a:fld>
             <a:endParaRPr lang="en-US" dirty="0"/>
           </a:p>
@@ -1843,7 +1843,7 @@
           <a:p>
             <a:fld id="{C278504F-A551-4DE0-9316-4DCD1D8CC752}" type="datetimeFigureOut">
               <a:rPr lang="en-US" dirty="0"/>
-              <a:t>12/26/2021</a:t>
+              <a:t>12/28/2021</a:t>
             </a:fld>
             <a:endParaRPr lang="en-US" dirty="0"/>
           </a:p>
@@ -2195,7 +2195,7 @@
           <a:p>
             <a:fld id="{D1BE4249-C0D0-4B06-8692-E8BB871AF643}" type="datetimeFigureOut">
               <a:rPr lang="en-US" dirty="0"/>
-              <a:t>12/26/2021</a:t>
+              <a:t>12/28/2021</a:t>
             </a:fld>
             <a:endParaRPr lang="en-US" dirty="0"/>
           </a:p>
@@ -2508,7 +2508,7 @@
           <a:p>
             <a:fld id="{042B0DB6-F5C7-45FB-8CF3-31B45F9C2DAC}" type="datetimeFigureOut">
               <a:rPr lang="en-US" dirty="0"/>
-              <a:t>12/26/2021</a:t>
+              <a:t>12/28/2021</a:t>
             </a:fld>
             <a:endParaRPr lang="en-US" dirty="0"/>
           </a:p>
@@ -2748,7 +2748,7 @@
           <a:p>
             <a:fld id="{1160EA64-D806-43AC-9DF2-F8C432F32B4C}" type="datetimeFigureOut">
               <a:rPr lang="en-US" dirty="0"/>
-              <a:t>12/26/2021</a:t>
+              <a:t>12/28/2021</a:t>
             </a:fld>
             <a:endParaRPr lang="en-US" dirty="0"/>
           </a:p>
@@ -3249,12 +3249,35 @@
               </a:rPr>
             </a:br>
             <a:r>
+              <a:rPr lang="ru-RU" sz="1800">
+                <a:effectLst/>
+                <a:latin typeface="Times New Roman" panose="02020603050405020304" pitchFamily="18" charset="0"/>
+                <a:ea typeface="Times New Roman" panose="02020603050405020304" pitchFamily="18" charset="0"/>
+              </a:rPr>
+              <a:t>по </a:t>
+            </a:r>
+            <a:r>
+              <a:rPr lang="ru-RU" sz="1800">
+                <a:latin typeface="Times New Roman" panose="02020603050405020304" pitchFamily="18" charset="0"/>
+                <a:ea typeface="Times New Roman" panose="02020603050405020304" pitchFamily="18" charset="0"/>
+              </a:rPr>
+              <a:t>производственной</a:t>
+            </a:r>
+            <a:r>
+              <a:rPr lang="ru-RU" sz="1800">
+                <a:effectLst/>
+                <a:latin typeface="Times New Roman" panose="02020603050405020304" pitchFamily="18" charset="0"/>
+                <a:ea typeface="Times New Roman" panose="02020603050405020304" pitchFamily="18" charset="0"/>
+              </a:rPr>
+              <a:t> </a:t>
+            </a:r>
+            <a:r>
               <a:rPr lang="ru-RU" sz="1800" dirty="0">
                 <a:effectLst/>
                 <a:latin typeface="Times New Roman" panose="02020603050405020304" pitchFamily="18" charset="0"/>
                 <a:ea typeface="Times New Roman" panose="02020603050405020304" pitchFamily="18" charset="0"/>
               </a:rPr>
-              <a:t>по учебной практике </a:t>
+              <a:t>практике </a:t>
             </a:r>
             <a:br>
               <a:rPr lang="ru-RU" sz="1800" dirty="0">
